--- a/src/main/webapp/resources/every-lecture-logos.pptx
+++ b/src/main/webapp/resources/every-lecture-logos.pptx
@@ -261,7 +261,7 @@
           <a:p>
             <a:fld id="{23D428E3-C71F-4559-AF96-5A43A47C7BC2}" type="datetimeFigureOut">
               <a:rPr lang="ko-KR" altLang="en-US" smtClean="0"/>
-              <a:t>2020-01-01</a:t>
+              <a:t>2020-01-04</a:t>
             </a:fld>
             <a:endParaRPr lang="ko-KR" altLang="en-US"/>
           </a:p>
@@ -459,7 +459,7 @@
           <a:p>
             <a:fld id="{23D428E3-C71F-4559-AF96-5A43A47C7BC2}" type="datetimeFigureOut">
               <a:rPr lang="ko-KR" altLang="en-US" smtClean="0"/>
-              <a:t>2020-01-01</a:t>
+              <a:t>2020-01-04</a:t>
             </a:fld>
             <a:endParaRPr lang="ko-KR" altLang="en-US"/>
           </a:p>
@@ -667,7 +667,7 @@
           <a:p>
             <a:fld id="{23D428E3-C71F-4559-AF96-5A43A47C7BC2}" type="datetimeFigureOut">
               <a:rPr lang="ko-KR" altLang="en-US" smtClean="0"/>
-              <a:t>2020-01-01</a:t>
+              <a:t>2020-01-04</a:t>
             </a:fld>
             <a:endParaRPr lang="ko-KR" altLang="en-US"/>
           </a:p>
@@ -865,7 +865,7 @@
           <a:p>
             <a:fld id="{23D428E3-C71F-4559-AF96-5A43A47C7BC2}" type="datetimeFigureOut">
               <a:rPr lang="ko-KR" altLang="en-US" smtClean="0"/>
-              <a:t>2020-01-01</a:t>
+              <a:t>2020-01-04</a:t>
             </a:fld>
             <a:endParaRPr lang="ko-KR" altLang="en-US"/>
           </a:p>
@@ -1140,7 +1140,7 @@
           <a:p>
             <a:fld id="{23D428E3-C71F-4559-AF96-5A43A47C7BC2}" type="datetimeFigureOut">
               <a:rPr lang="ko-KR" altLang="en-US" smtClean="0"/>
-              <a:t>2020-01-01</a:t>
+              <a:t>2020-01-04</a:t>
             </a:fld>
             <a:endParaRPr lang="ko-KR" altLang="en-US"/>
           </a:p>
@@ -1405,7 +1405,7 @@
           <a:p>
             <a:fld id="{23D428E3-C71F-4559-AF96-5A43A47C7BC2}" type="datetimeFigureOut">
               <a:rPr lang="ko-KR" altLang="en-US" smtClean="0"/>
-              <a:t>2020-01-01</a:t>
+              <a:t>2020-01-04</a:t>
             </a:fld>
             <a:endParaRPr lang="ko-KR" altLang="en-US"/>
           </a:p>
@@ -1817,7 +1817,7 @@
           <a:p>
             <a:fld id="{23D428E3-C71F-4559-AF96-5A43A47C7BC2}" type="datetimeFigureOut">
               <a:rPr lang="ko-KR" altLang="en-US" smtClean="0"/>
-              <a:t>2020-01-01</a:t>
+              <a:t>2020-01-04</a:t>
             </a:fld>
             <a:endParaRPr lang="ko-KR" altLang="en-US"/>
           </a:p>
@@ -1958,7 +1958,7 @@
           <a:p>
             <a:fld id="{23D428E3-C71F-4559-AF96-5A43A47C7BC2}" type="datetimeFigureOut">
               <a:rPr lang="ko-KR" altLang="en-US" smtClean="0"/>
-              <a:t>2020-01-01</a:t>
+              <a:t>2020-01-04</a:t>
             </a:fld>
             <a:endParaRPr lang="ko-KR" altLang="en-US"/>
           </a:p>
@@ -2071,7 +2071,7 @@
           <a:p>
             <a:fld id="{23D428E3-C71F-4559-AF96-5A43A47C7BC2}" type="datetimeFigureOut">
               <a:rPr lang="ko-KR" altLang="en-US" smtClean="0"/>
-              <a:t>2020-01-01</a:t>
+              <a:t>2020-01-04</a:t>
             </a:fld>
             <a:endParaRPr lang="ko-KR" altLang="en-US"/>
           </a:p>
@@ -2382,7 +2382,7 @@
           <a:p>
             <a:fld id="{23D428E3-C71F-4559-AF96-5A43A47C7BC2}" type="datetimeFigureOut">
               <a:rPr lang="ko-KR" altLang="en-US" smtClean="0"/>
-              <a:t>2020-01-01</a:t>
+              <a:t>2020-01-04</a:t>
             </a:fld>
             <a:endParaRPr lang="ko-KR" altLang="en-US"/>
           </a:p>
@@ -2670,7 +2670,7 @@
           <a:p>
             <a:fld id="{23D428E3-C71F-4559-AF96-5A43A47C7BC2}" type="datetimeFigureOut">
               <a:rPr lang="ko-KR" altLang="en-US" smtClean="0"/>
-              <a:t>2020-01-01</a:t>
+              <a:t>2020-01-04</a:t>
             </a:fld>
             <a:endParaRPr lang="ko-KR" altLang="en-US"/>
           </a:p>
@@ -2911,7 +2911,7 @@
           <a:p>
             <a:fld id="{23D428E3-C71F-4559-AF96-5A43A47C7BC2}" type="datetimeFigureOut">
               <a:rPr lang="ko-KR" altLang="en-US" smtClean="0"/>
-              <a:t>2020-01-01</a:t>
+              <a:t>2020-01-04</a:t>
             </a:fld>
             <a:endParaRPr lang="ko-KR" altLang="en-US"/>
           </a:p>
@@ -3537,9 +3537,7 @@
             <a:avLst/>
           </a:prstGeom>
           <a:solidFill>
-            <a:schemeClr val="accent1">
-              <a:lumMod val="75000"/>
-            </a:schemeClr>
+            <a:schemeClr val="bg1"/>
           </a:solidFill>
           <a:ln>
             <a:noFill/>
@@ -3568,11 +3566,17 @@
             <a:pPr algn="ctr"/>
             <a:r>
               <a:rPr lang="en-US" altLang="ko-KR" sz="7200" dirty="0">
+                <a:solidFill>
+                  <a:srgbClr val="6262B3"/>
+                </a:solidFill>
                 <a:latin typeface="Bodoni MT Black" panose="02070A03080606020203" pitchFamily="18" charset="0"/>
               </a:rPr>
               <a:t>&lt; EVERY-LECTURE &gt;</a:t>
             </a:r>
             <a:endParaRPr lang="ko-KR" altLang="en-US" sz="7200" dirty="0">
+              <a:solidFill>
+                <a:srgbClr val="6262B3"/>
+              </a:solidFill>
               <a:latin typeface="Bodoni MT Black" panose="02070A03080606020203" pitchFamily="18" charset="0"/>
             </a:endParaRPr>
           </a:p>
